--- a/gpt-studying/gpt-1-2.pptx
+++ b/gpt-studying/gpt-1-2.pptx
@@ -247,7 +247,7 @@
           <a:p>
             <a:fld id="{DED0A8D6-989D-4B7F-A3FB-0E9E5CF27251}" type="datetimeFigureOut">
               <a:rPr lang="zh-CN" altLang="en-US" smtClean="0"/>
-              <a:t>2023/4/5</a:t>
+              <a:t>2023/4/6</a:t>
             </a:fld>
             <a:endParaRPr lang="zh-CN" altLang="en-US"/>
           </a:p>
@@ -2173,7 +2173,7 @@
           <a:p>
             <a:fld id="{E7544C38-2E6F-4916-9280-993E49513955}" type="datetimeFigureOut">
               <a:rPr lang="zh-CN" altLang="en-US" smtClean="0"/>
-              <a:t>2023/4/5</a:t>
+              <a:t>2023/4/6</a:t>
             </a:fld>
             <a:endParaRPr lang="zh-CN" altLang="en-US"/>
           </a:p>
@@ -2371,7 +2371,7 @@
           <a:p>
             <a:fld id="{E7544C38-2E6F-4916-9280-993E49513955}" type="datetimeFigureOut">
               <a:rPr lang="zh-CN" altLang="en-US" smtClean="0"/>
-              <a:t>2023/4/5</a:t>
+              <a:t>2023/4/6</a:t>
             </a:fld>
             <a:endParaRPr lang="zh-CN" altLang="en-US"/>
           </a:p>
@@ -2579,7 +2579,7 @@
           <a:p>
             <a:fld id="{E7544C38-2E6F-4916-9280-993E49513955}" type="datetimeFigureOut">
               <a:rPr lang="zh-CN" altLang="en-US" smtClean="0"/>
-              <a:t>2023/4/5</a:t>
+              <a:t>2023/4/6</a:t>
             </a:fld>
             <a:endParaRPr lang="zh-CN" altLang="en-US"/>
           </a:p>
@@ -2777,7 +2777,7 @@
           <a:p>
             <a:fld id="{E7544C38-2E6F-4916-9280-993E49513955}" type="datetimeFigureOut">
               <a:rPr lang="zh-CN" altLang="en-US" smtClean="0"/>
-              <a:t>2023/4/5</a:t>
+              <a:t>2023/4/6</a:t>
             </a:fld>
             <a:endParaRPr lang="zh-CN" altLang="en-US"/>
           </a:p>
@@ -3052,7 +3052,7 @@
           <a:p>
             <a:fld id="{E7544C38-2E6F-4916-9280-993E49513955}" type="datetimeFigureOut">
               <a:rPr lang="zh-CN" altLang="en-US" smtClean="0"/>
-              <a:t>2023/4/5</a:t>
+              <a:t>2023/4/6</a:t>
             </a:fld>
             <a:endParaRPr lang="zh-CN" altLang="en-US"/>
           </a:p>
@@ -3317,7 +3317,7 @@
           <a:p>
             <a:fld id="{E7544C38-2E6F-4916-9280-993E49513955}" type="datetimeFigureOut">
               <a:rPr lang="zh-CN" altLang="en-US" smtClean="0"/>
-              <a:t>2023/4/5</a:t>
+              <a:t>2023/4/6</a:t>
             </a:fld>
             <a:endParaRPr lang="zh-CN" altLang="en-US"/>
           </a:p>
@@ -3729,7 +3729,7 @@
           <a:p>
             <a:fld id="{E7544C38-2E6F-4916-9280-993E49513955}" type="datetimeFigureOut">
               <a:rPr lang="zh-CN" altLang="en-US" smtClean="0"/>
-              <a:t>2023/4/5</a:t>
+              <a:t>2023/4/6</a:t>
             </a:fld>
             <a:endParaRPr lang="zh-CN" altLang="en-US"/>
           </a:p>
@@ -3870,7 +3870,7 @@
           <a:p>
             <a:fld id="{E7544C38-2E6F-4916-9280-993E49513955}" type="datetimeFigureOut">
               <a:rPr lang="zh-CN" altLang="en-US" smtClean="0"/>
-              <a:t>2023/4/5</a:t>
+              <a:t>2023/4/6</a:t>
             </a:fld>
             <a:endParaRPr lang="zh-CN" altLang="en-US"/>
           </a:p>
@@ -3983,7 +3983,7 @@
           <a:p>
             <a:fld id="{E7544C38-2E6F-4916-9280-993E49513955}" type="datetimeFigureOut">
               <a:rPr lang="zh-CN" altLang="en-US" smtClean="0"/>
-              <a:t>2023/4/5</a:t>
+              <a:t>2023/4/6</a:t>
             </a:fld>
             <a:endParaRPr lang="zh-CN" altLang="en-US"/>
           </a:p>
@@ -4294,7 +4294,7 @@
           <a:p>
             <a:fld id="{E7544C38-2E6F-4916-9280-993E49513955}" type="datetimeFigureOut">
               <a:rPr lang="zh-CN" altLang="en-US" smtClean="0"/>
-              <a:t>2023/4/5</a:t>
+              <a:t>2023/4/6</a:t>
             </a:fld>
             <a:endParaRPr lang="zh-CN" altLang="en-US"/>
           </a:p>
@@ -4582,7 +4582,7 @@
           <a:p>
             <a:fld id="{E7544C38-2E6F-4916-9280-993E49513955}" type="datetimeFigureOut">
               <a:rPr lang="zh-CN" altLang="en-US" smtClean="0"/>
-              <a:t>2023/4/5</a:t>
+              <a:t>2023/4/6</a:t>
             </a:fld>
             <a:endParaRPr lang="zh-CN" altLang="en-US"/>
           </a:p>
@@ -4823,7 +4823,7 @@
           <a:p>
             <a:fld id="{E7544C38-2E6F-4916-9280-993E49513955}" type="datetimeFigureOut">
               <a:rPr lang="zh-CN" altLang="en-US" smtClean="0"/>
-              <a:t>2023/4/5</a:t>
+              <a:t>2023/4/6</a:t>
             </a:fld>
             <a:endParaRPr lang="zh-CN" altLang="en-US"/>
           </a:p>
@@ -7322,54 +7322,6 @@
           </a:p>
         </p:txBody>
       </p:sp>
-      <p:sp>
-        <p:nvSpPr>
-          <p:cNvPr id="6" name="矩形 5">
-            <a:extLst>
-              <a:ext uri="{FF2B5EF4-FFF2-40B4-BE49-F238E27FC236}">
-                <a16:creationId xmlns:a16="http://schemas.microsoft.com/office/drawing/2014/main" id="{065029FB-CB41-E10C-ACA7-F4B624AFEB50}"/>
-              </a:ext>
-            </a:extLst>
-          </p:cNvPr>
-          <p:cNvSpPr/>
-          <p:nvPr/>
-        </p:nvSpPr>
-        <p:spPr>
-          <a:xfrm>
-            <a:off x="1802525" y="1899746"/>
-            <a:ext cx="1860330" cy="538655"/>
-          </a:xfrm>
-          <a:prstGeom prst="rect">
-            <a:avLst/>
-          </a:prstGeom>
-          <a:noFill/>
-          <a:ln w="28575"/>
-        </p:spPr>
-        <p:style>
-          <a:lnRef idx="2">
-            <a:schemeClr val="accent1">
-              <a:shade val="50000"/>
-            </a:schemeClr>
-          </a:lnRef>
-          <a:fillRef idx="1">
-            <a:schemeClr val="accent1"/>
-          </a:fillRef>
-          <a:effectRef idx="0">
-            <a:schemeClr val="accent1"/>
-          </a:effectRef>
-          <a:fontRef idx="minor">
-            <a:schemeClr val="lt1"/>
-          </a:fontRef>
-        </p:style>
-        <p:txBody>
-          <a:bodyPr rtlCol="0" anchor="ctr"/>
-          <a:lstStyle/>
-          <a:p>
-            <a:pPr algn="ctr"/>
-            <a:endParaRPr lang="zh-CN" altLang="en-US"/>
-          </a:p>
-        </p:txBody>
-      </p:sp>
     </p:spTree>
     <p:extLst>
       <p:ext uri="{BB962C8B-B14F-4D97-AF65-F5344CB8AC3E}">
@@ -7711,8 +7663,8 @@
           </a:prstGeom>
         </p:spPr>
       </p:pic>
-      <mc:AlternateContent xmlns:mc="http://schemas.openxmlformats.org/markup-compatibility/2006">
-        <mc:Choice xmlns:p14="http://schemas.microsoft.com/office/powerpoint/2010/main" Requires="p14">
+      <mc:AlternateContent xmlns:mc="http://schemas.openxmlformats.org/markup-compatibility/2006" xmlns:p14="http://schemas.microsoft.com/office/powerpoint/2010/main">
+        <mc:Choice Requires="p14">
           <p:contentPart p14:bwMode="auto" r:id="rId5">
             <p14:nvContentPartPr>
               <p14:cNvPr id="4" name="墨迹 3">
@@ -7731,7 +7683,7 @@
             </p14:xfrm>
           </p:contentPart>
         </mc:Choice>
-        <mc:Fallback>
+        <mc:Fallback xmlns="">
           <p:pic>
             <p:nvPicPr>
               <p:cNvPr id="4" name="墨迹 3">
@@ -10692,7 +10644,7 @@
         </p:blipFill>
         <p:spPr>
           <a:xfrm>
-            <a:off x="8947406" y="3882614"/>
+            <a:off x="9054982" y="3882614"/>
             <a:ext cx="2197674" cy="2765612"/>
           </a:xfrm>
           <a:prstGeom prst="rect">
